--- a/cits1003-lecture_slides/CITS1003-7 Incidents-exercises.pptx
+++ b/cits1003-lecture_slides/CITS1003-7 Incidents-exercises.pptx
@@ -12060,7 +12060,7 @@
           </a:effectLst>
           <a:extLst>
             <a:ext uri="{91240B29-F687-4f45-9708-019B960494DF}">
-              <a14:hiddenLine xmlns="" xmlns:a14="http://schemas.microsoft.com/office/drawing/2010/main" xmlns:p14="http://schemas.microsoft.com/office/powerpoint/2010/main" xmlns:a16="http://schemas.microsoft.com/office/drawing/2014/main" w="9525">
+              <a14:hiddenLine xmlns:a16="http://schemas.microsoft.com/office/drawing/2014/main" xmlns:p14="http://schemas.microsoft.com/office/powerpoint/2010/main" xmlns:a14="http://schemas.microsoft.com/office/drawing/2010/main" xmlns="" w="9525">
                 <a:solidFill>
                   <a:srgbClr val="000000"/>
                 </a:solidFill>
@@ -15404,7 +15404,7 @@
           <a:p>
             <a:r>
               <a:rPr lang="en-AU" sz="2800" dirty="0"/>
-              <a:t>Automation</a:t>
+              <a:t>Incident Analysis and Modelling</a:t>
             </a:r>
             <a:endParaRPr lang="en-AU" sz="2600" dirty="0"/>
           </a:p>
